--- a/documentum/건축심화세미나(2022)/최종발표/팀회의-심화세미나 아이템 소개.pptx
+++ b/documentum/건축심화세미나(2022)/최종발표/팀회의-심화세미나 아이템 소개.pptx
@@ -259,7 +259,7 @@
           <a:p>
             <a:fld id="{6CAEAAF6-8C15-4730-8437-B44F49B1EE16}" type="datetimeFigureOut">
               <a:rPr lang="ko-KR" altLang="en-US" smtClean="0"/>
-              <a:t>2022-10-24</a:t>
+              <a:t>2022-10-26</a:t>
             </a:fld>
             <a:endParaRPr lang="ko-KR" altLang="en-US"/>
           </a:p>
@@ -429,7 +429,7 @@
           <a:p>
             <a:fld id="{6CAEAAF6-8C15-4730-8437-B44F49B1EE16}" type="datetimeFigureOut">
               <a:rPr lang="ko-KR" altLang="en-US" smtClean="0"/>
-              <a:t>2022-10-24</a:t>
+              <a:t>2022-10-26</a:t>
             </a:fld>
             <a:endParaRPr lang="ko-KR" altLang="en-US"/>
           </a:p>
@@ -609,7 +609,7 @@
           <a:p>
             <a:fld id="{6CAEAAF6-8C15-4730-8437-B44F49B1EE16}" type="datetimeFigureOut">
               <a:rPr lang="ko-KR" altLang="en-US" smtClean="0"/>
-              <a:t>2022-10-24</a:t>
+              <a:t>2022-10-26</a:t>
             </a:fld>
             <a:endParaRPr lang="ko-KR" altLang="en-US"/>
           </a:p>
@@ -779,7 +779,7 @@
           <a:p>
             <a:fld id="{6CAEAAF6-8C15-4730-8437-B44F49B1EE16}" type="datetimeFigureOut">
               <a:rPr lang="ko-KR" altLang="en-US" smtClean="0"/>
-              <a:t>2022-10-24</a:t>
+              <a:t>2022-10-26</a:t>
             </a:fld>
             <a:endParaRPr lang="ko-KR" altLang="en-US"/>
           </a:p>
@@ -1025,7 +1025,7 @@
           <a:p>
             <a:fld id="{6CAEAAF6-8C15-4730-8437-B44F49B1EE16}" type="datetimeFigureOut">
               <a:rPr lang="ko-KR" altLang="en-US" smtClean="0"/>
-              <a:t>2022-10-24</a:t>
+              <a:t>2022-10-26</a:t>
             </a:fld>
             <a:endParaRPr lang="ko-KR" altLang="en-US"/>
           </a:p>
@@ -1257,7 +1257,7 @@
           <a:p>
             <a:fld id="{6CAEAAF6-8C15-4730-8437-B44F49B1EE16}" type="datetimeFigureOut">
               <a:rPr lang="ko-KR" altLang="en-US" smtClean="0"/>
-              <a:t>2022-10-24</a:t>
+              <a:t>2022-10-26</a:t>
             </a:fld>
             <a:endParaRPr lang="ko-KR" altLang="en-US"/>
           </a:p>
@@ -1624,7 +1624,7 @@
           <a:p>
             <a:fld id="{6CAEAAF6-8C15-4730-8437-B44F49B1EE16}" type="datetimeFigureOut">
               <a:rPr lang="ko-KR" altLang="en-US" smtClean="0"/>
-              <a:t>2022-10-24</a:t>
+              <a:t>2022-10-26</a:t>
             </a:fld>
             <a:endParaRPr lang="ko-KR" altLang="en-US"/>
           </a:p>
@@ -1742,7 +1742,7 @@
           <a:p>
             <a:fld id="{6CAEAAF6-8C15-4730-8437-B44F49B1EE16}" type="datetimeFigureOut">
               <a:rPr lang="ko-KR" altLang="en-US" smtClean="0"/>
-              <a:t>2022-10-24</a:t>
+              <a:t>2022-10-26</a:t>
             </a:fld>
             <a:endParaRPr lang="ko-KR" altLang="en-US"/>
           </a:p>
@@ -1837,7 +1837,7 @@
           <a:p>
             <a:fld id="{6CAEAAF6-8C15-4730-8437-B44F49B1EE16}" type="datetimeFigureOut">
               <a:rPr lang="ko-KR" altLang="en-US" smtClean="0"/>
-              <a:t>2022-10-24</a:t>
+              <a:t>2022-10-26</a:t>
             </a:fld>
             <a:endParaRPr lang="ko-KR" altLang="en-US"/>
           </a:p>
@@ -2114,7 +2114,7 @@
           <a:p>
             <a:fld id="{6CAEAAF6-8C15-4730-8437-B44F49B1EE16}" type="datetimeFigureOut">
               <a:rPr lang="ko-KR" altLang="en-US" smtClean="0"/>
-              <a:t>2022-10-24</a:t>
+              <a:t>2022-10-26</a:t>
             </a:fld>
             <a:endParaRPr lang="ko-KR" altLang="en-US"/>
           </a:p>
@@ -2367,7 +2367,7 @@
           <a:p>
             <a:fld id="{6CAEAAF6-8C15-4730-8437-B44F49B1EE16}" type="datetimeFigureOut">
               <a:rPr lang="ko-KR" altLang="en-US" smtClean="0"/>
-              <a:t>2022-10-24</a:t>
+              <a:t>2022-10-26</a:t>
             </a:fld>
             <a:endParaRPr lang="ko-KR" altLang="en-US"/>
           </a:p>
@@ -2580,7 +2580,7 @@
           <a:p>
             <a:fld id="{6CAEAAF6-8C15-4730-8437-B44F49B1EE16}" type="datetimeFigureOut">
               <a:rPr lang="ko-KR" altLang="en-US" smtClean="0"/>
-              <a:t>2022-10-24</a:t>
+              <a:t>2022-10-26</a:t>
             </a:fld>
             <a:endParaRPr lang="ko-KR" altLang="en-US"/>
           </a:p>
@@ -3739,10 +3739,6 @@
               </a:rPr>
               <a:t>온도 하중</a:t>
             </a:r>
-            <a:endParaRPr lang="ko-KR" altLang="en-US" sz="2800" dirty="0">
-              <a:latin typeface="리디바탕" panose="020B0600000101010101" pitchFamily="34" charset="-127"/>
-              <a:ea typeface="리디바탕" panose="020B0600000101010101" pitchFamily="34" charset="-127"/>
-            </a:endParaRPr>
           </a:p>
         </p:txBody>
       </p:sp>
@@ -4166,10 +4162,6 @@
               </a:rPr>
               <a:t>온도 하중</a:t>
             </a:r>
-            <a:endParaRPr lang="ko-KR" altLang="en-US" sz="2800" dirty="0">
-              <a:latin typeface="리디바탕" panose="020B0600000101010101" pitchFamily="34" charset="-127"/>
-              <a:ea typeface="리디바탕" panose="020B0600000101010101" pitchFamily="34" charset="-127"/>
-            </a:endParaRPr>
           </a:p>
         </p:txBody>
       </p:sp>
@@ -4576,10 +4568,6 @@
               </a:rPr>
               <a:t>온도 하중</a:t>
             </a:r>
-            <a:endParaRPr lang="ko-KR" altLang="en-US" sz="2800" dirty="0">
-              <a:latin typeface="리디바탕" panose="020B0600000101010101" pitchFamily="34" charset="-127"/>
-              <a:ea typeface="리디바탕" panose="020B0600000101010101" pitchFamily="34" charset="-127"/>
-            </a:endParaRPr>
           </a:p>
         </p:txBody>
       </p:sp>
@@ -4690,10 +4678,6 @@
               </a:rPr>
               <a:t>동적 문서를 활용한 구조 프로그램 작성</a:t>
             </a:r>
-            <a:endParaRPr lang="ko-KR" altLang="en-US" sz="3600" dirty="0">
-              <a:latin typeface="리디바탕" panose="020B0600000101010101" pitchFamily="34" charset="-127"/>
-              <a:ea typeface="리디바탕" panose="020B0600000101010101" pitchFamily="34" charset="-127"/>
-            </a:endParaRPr>
           </a:p>
         </p:txBody>
       </p:sp>
@@ -4794,7 +4778,7 @@
         <p:spPr>
           <a:xfrm>
             <a:off x="1145058" y="1286735"/>
-            <a:ext cx="10483523" cy="4524315"/>
+            <a:ext cx="10483523" cy="4893647"/>
           </a:xfrm>
           <a:prstGeom prst="rect">
             <a:avLst/>
@@ -4849,7 +4833,21 @@
                 <a:latin typeface="현대하모니 L" panose="02020603020101020101" pitchFamily="18" charset="-127"/>
                 <a:ea typeface="현대하모니 L" panose="02020603020101020101" pitchFamily="18" charset="-127"/>
               </a:rPr>
-              <a:t>그리고 그 위에서 돌아가는 편리한 프레임워크들이 생기고 나서부터</a:t>
+              <a:t>그리고 그 위에서 돌아가는 편리한 </a:t>
+            </a:r>
+            <a:r>
+              <a:rPr lang="ko-KR" altLang="en-US" sz="1600" dirty="0" smtClean="0">
+                <a:latin typeface="현대하모니 L" panose="02020603020101020101" pitchFamily="18" charset="-127"/>
+                <a:ea typeface="현대하모니 L" panose="02020603020101020101" pitchFamily="18" charset="-127"/>
+              </a:rPr>
+              <a:t>프레임워크들이 엄청나게 많이 </a:t>
+            </a:r>
+            <a:r>
+              <a:rPr lang="ko-KR" altLang="en-US" sz="1600" dirty="0" smtClean="0">
+                <a:latin typeface="현대하모니 L" panose="02020603020101020101" pitchFamily="18" charset="-127"/>
+                <a:ea typeface="현대하모니 L" panose="02020603020101020101" pitchFamily="18" charset="-127"/>
+              </a:rPr>
+              <a:t>생기고 나서부터</a:t>
             </a:r>
             <a:r>
               <a:rPr lang="en-US" altLang="ko-KR" sz="1600" dirty="0" smtClean="0">
@@ -4858,7 +4856,79 @@
               </a:rPr>
               <a:t>,</a:t>
             </a:r>
+          </a:p>
+          <a:p>
+            <a:pPr>
+              <a:lnSpc>
+                <a:spcPct val="150000"/>
+              </a:lnSpc>
+            </a:pPr>
+            <a:r>
+              <a:rPr lang="en-US" altLang="ko-KR" sz="1100" dirty="0" smtClean="0">
+                <a:solidFill>
+                  <a:schemeClr val="bg1">
+                    <a:lumMod val="50000"/>
+                  </a:schemeClr>
+                </a:solidFill>
+                <a:latin typeface="현대하모니 L" panose="02020603020101020101" pitchFamily="18" charset="-127"/>
+                <a:ea typeface="현대하모니 L" panose="02020603020101020101" pitchFamily="18" charset="-127"/>
+              </a:rPr>
+              <a:t>(</a:t>
+            </a:r>
+            <a:r>
+              <a:rPr lang="ko-KR" altLang="en-US" sz="1100" dirty="0" err="1">
+                <a:solidFill>
+                  <a:schemeClr val="bg1">
+                    <a:lumMod val="50000"/>
+                  </a:schemeClr>
+                </a:solidFill>
+                <a:latin typeface="현대하모니 L" panose="02020603020101020101" pitchFamily="18" charset="-127"/>
+                <a:ea typeface="현대하모니 L" panose="02020603020101020101" pitchFamily="18" charset="-127"/>
+              </a:rPr>
+              <a:t>파이썬으로</a:t>
+            </a:r>
+            <a:r>
+              <a:rPr lang="ko-KR" altLang="en-US" sz="1100" dirty="0">
+                <a:solidFill>
+                  <a:schemeClr val="bg1">
+                    <a:lumMod val="50000"/>
+                  </a:schemeClr>
+                </a:solidFill>
+                <a:latin typeface="현대하모니 L" panose="02020603020101020101" pitchFamily="18" charset="-127"/>
+                <a:ea typeface="현대하모니 L" panose="02020603020101020101" pitchFamily="18" charset="-127"/>
+              </a:rPr>
+              <a:t> 무언가를 하고 싶어지면 그걸 하기 위한 패키지는 인터넷 어딘가에는 반드시 </a:t>
+            </a:r>
+            <a:r>
+              <a:rPr lang="ko-KR" altLang="en-US" sz="1100" dirty="0" smtClean="0">
+                <a:solidFill>
+                  <a:schemeClr val="bg1">
+                    <a:lumMod val="50000"/>
+                  </a:schemeClr>
+                </a:solidFill>
+                <a:latin typeface="현대하모니 L" panose="02020603020101020101" pitchFamily="18" charset="-127"/>
+                <a:ea typeface="현대하모니 L" panose="02020603020101020101" pitchFamily="18" charset="-127"/>
+              </a:rPr>
+              <a:t>존재합니다</a:t>
+            </a:r>
+            <a:r>
+              <a:rPr lang="en-US" altLang="ko-KR" sz="1100" dirty="0" smtClean="0">
+                <a:solidFill>
+                  <a:schemeClr val="bg1">
+                    <a:lumMod val="50000"/>
+                  </a:schemeClr>
+                </a:solidFill>
+                <a:latin typeface="현대하모니 L" panose="02020603020101020101" pitchFamily="18" charset="-127"/>
+                <a:ea typeface="현대하모니 L" panose="02020603020101020101" pitchFamily="18" charset="-127"/>
+              </a:rPr>
+              <a:t>.)</a:t>
+            </a:r>
             <a:endParaRPr lang="en-US" altLang="ko-KR" sz="1600" dirty="0">
+              <a:solidFill>
+                <a:schemeClr val="bg1">
+                  <a:lumMod val="50000"/>
+                </a:schemeClr>
+              </a:solidFill>
               <a:latin typeface="현대하모니 L" panose="02020603020101020101" pitchFamily="18" charset="-127"/>
               <a:ea typeface="현대하모니 L" panose="02020603020101020101" pitchFamily="18" charset="-127"/>
             </a:endParaRPr>
@@ -5737,7 +5807,42 @@
                 <a:latin typeface="리디바탕" panose="020B0600000101010101" pitchFamily="34" charset="-127"/>
                 <a:ea typeface="리디바탕" panose="020B0600000101010101" pitchFamily="34" charset="-127"/>
               </a:rPr>
-              <a:t>월 첫째 주 수요일 </a:t>
+              <a:t>월 첫째 주 </a:t>
+            </a:r>
+            <a:r>
+              <a:rPr lang="ko-KR" altLang="en-US" dirty="0" smtClean="0">
+                <a:latin typeface="리디바탕" panose="020B0600000101010101" pitchFamily="34" charset="-127"/>
+                <a:ea typeface="리디바탕" panose="020B0600000101010101" pitchFamily="34" charset="-127"/>
+              </a:rPr>
+              <a:t>수요일 오후 </a:t>
+            </a:r>
+            <a:r>
+              <a:rPr lang="en-US" altLang="ko-KR" dirty="0" smtClean="0">
+                <a:latin typeface="리디바탕" panose="020B0600000101010101" pitchFamily="34" charset="-127"/>
+                <a:ea typeface="리디바탕" panose="020B0600000101010101" pitchFamily="34" charset="-127"/>
+              </a:rPr>
+              <a:t>3</a:t>
+            </a:r>
+            <a:r>
+              <a:rPr lang="ko-KR" altLang="en-US" dirty="0" smtClean="0">
+                <a:latin typeface="리디바탕" panose="020B0600000101010101" pitchFamily="34" charset="-127"/>
+                <a:ea typeface="리디바탕" panose="020B0600000101010101" pitchFamily="34" charset="-127"/>
+              </a:rPr>
+              <a:t>시</a:t>
+            </a:r>
+            <a:r>
+              <a:rPr lang="en-US" altLang="ko-KR" dirty="0" smtClean="0">
+                <a:latin typeface="리디바탕" panose="020B0600000101010101" pitchFamily="34" charset="-127"/>
+                <a:ea typeface="리디바탕" panose="020B0600000101010101" pitchFamily="34" charset="-127"/>
+              </a:rPr>
+              <a:t>30</a:t>
+            </a:r>
+            <a:r>
+              <a:rPr lang="ko-KR" altLang="en-US" dirty="0" smtClean="0">
+                <a:latin typeface="리디바탕" panose="020B0600000101010101" pitchFamily="34" charset="-127"/>
+                <a:ea typeface="리디바탕" panose="020B0600000101010101" pitchFamily="34" charset="-127"/>
+              </a:rPr>
+              <a:t>분 </a:t>
             </a:r>
             <a:r>
               <a:rPr lang="en-US" altLang="ko-KR" dirty="0">
@@ -5927,7 +6032,42 @@
                 <a:latin typeface="리디바탕" panose="020B0600000101010101" pitchFamily="34" charset="-127"/>
                 <a:ea typeface="리디바탕" panose="020B0600000101010101" pitchFamily="34" charset="-127"/>
               </a:rPr>
-              <a:t>월 둘째 주 수요일 </a:t>
+              <a:t>월 둘째 주 </a:t>
+            </a:r>
+            <a:r>
+              <a:rPr lang="ko-KR" altLang="en-US" dirty="0">
+                <a:latin typeface="리디바탕" panose="020B0600000101010101" pitchFamily="34" charset="-127"/>
+                <a:ea typeface="리디바탕" panose="020B0600000101010101" pitchFamily="34" charset="-127"/>
+              </a:rPr>
+              <a:t>수요일 오후 </a:t>
+            </a:r>
+            <a:r>
+              <a:rPr lang="en-US" altLang="ko-KR" dirty="0">
+                <a:latin typeface="리디바탕" panose="020B0600000101010101" pitchFamily="34" charset="-127"/>
+                <a:ea typeface="리디바탕" panose="020B0600000101010101" pitchFamily="34" charset="-127"/>
+              </a:rPr>
+              <a:t>3</a:t>
+            </a:r>
+            <a:r>
+              <a:rPr lang="ko-KR" altLang="en-US" dirty="0">
+                <a:latin typeface="리디바탕" panose="020B0600000101010101" pitchFamily="34" charset="-127"/>
+                <a:ea typeface="리디바탕" panose="020B0600000101010101" pitchFamily="34" charset="-127"/>
+              </a:rPr>
+              <a:t>시</a:t>
+            </a:r>
+            <a:r>
+              <a:rPr lang="en-US" altLang="ko-KR" dirty="0">
+                <a:latin typeface="리디바탕" panose="020B0600000101010101" pitchFamily="34" charset="-127"/>
+                <a:ea typeface="리디바탕" panose="020B0600000101010101" pitchFamily="34" charset="-127"/>
+              </a:rPr>
+              <a:t>30</a:t>
+            </a:r>
+            <a:r>
+              <a:rPr lang="ko-KR" altLang="en-US" dirty="0">
+                <a:latin typeface="리디바탕" panose="020B0600000101010101" pitchFamily="34" charset="-127"/>
+                <a:ea typeface="리디바탕" panose="020B0600000101010101" pitchFamily="34" charset="-127"/>
+              </a:rPr>
+              <a:t>분 </a:t>
             </a:r>
             <a:r>
               <a:rPr lang="en-US" altLang="ko-KR" dirty="0">
@@ -5987,7 +6127,7 @@
         <p:spPr>
           <a:xfrm>
             <a:off x="1145059" y="5535861"/>
-            <a:ext cx="9901882" cy="377796"/>
+            <a:ext cx="9901882" cy="415498"/>
           </a:xfrm>
           <a:prstGeom prst="rect">
             <a:avLst/>
@@ -6024,7 +6164,21 @@
                 <a:latin typeface="리디바탕" panose="020B0600000101010101" pitchFamily="34" charset="-127"/>
                 <a:ea typeface="리디바탕" panose="020B0600000101010101" pitchFamily="34" charset="-127"/>
               </a:rPr>
-              <a:t> 링크는 당일 공지</a:t>
+              <a:t> 링크는 당일 </a:t>
+            </a:r>
+            <a:r>
+              <a:rPr lang="ko-KR" altLang="en-US" sz="1400" dirty="0" smtClean="0">
+                <a:latin typeface="리디바탕" panose="020B0600000101010101" pitchFamily="34" charset="-127"/>
+                <a:ea typeface="리디바탕" panose="020B0600000101010101" pitchFamily="34" charset="-127"/>
+              </a:rPr>
+              <a:t>공지 예정</a:t>
+            </a:r>
+            <a:r>
+              <a:rPr lang="en-US" altLang="ko-KR" sz="1400" dirty="0" smtClean="0">
+                <a:latin typeface="리디바탕" panose="020B0600000101010101" pitchFamily="34" charset="-127"/>
+                <a:ea typeface="리디바탕" panose="020B0600000101010101" pitchFamily="34" charset="-127"/>
+              </a:rPr>
+              <a:t>.</a:t>
             </a:r>
             <a:endParaRPr lang="en-US" altLang="ko-KR" sz="1400" dirty="0" smtClean="0">
               <a:latin typeface="리디바탕" panose="020B0600000101010101" pitchFamily="34" charset="-127"/>
@@ -6410,19 +6564,7 @@
                 <a:latin typeface="리디바탕" panose="020B0600000101010101" pitchFamily="34" charset="-127"/>
                 <a:ea typeface="리디바탕" panose="020B0600000101010101" pitchFamily="34" charset="-127"/>
               </a:rPr>
-              <a:t>Item 2</a:t>
-            </a:r>
-            <a:r>
-              <a:rPr lang="en-US" altLang="ko-KR" sz="2000" dirty="0" smtClean="0">
-                <a:solidFill>
-                  <a:schemeClr val="bg1">
-                    <a:lumMod val="50000"/>
-                  </a:schemeClr>
-                </a:solidFill>
-                <a:latin typeface="리디바탕" panose="020B0600000101010101" pitchFamily="34" charset="-127"/>
-                <a:ea typeface="리디바탕" panose="020B0600000101010101" pitchFamily="34" charset="-127"/>
-              </a:rPr>
-              <a:t>:   </a:t>
+              <a:t>Item 2:   </a:t>
             </a:r>
             <a:r>
               <a:rPr lang="en-US" altLang="ko-KR" sz="2000" dirty="0">
@@ -6649,10 +6791,6 @@
               </a:rPr>
               <a:t>우즈베키스탄 지진하중</a:t>
             </a:r>
-            <a:endParaRPr lang="ko-KR" altLang="en-US" sz="4000" dirty="0">
-              <a:latin typeface="리디바탕" panose="020B0600000101010101" pitchFamily="34" charset="-127"/>
-              <a:ea typeface="리디바탕" panose="020B0600000101010101" pitchFamily="34" charset="-127"/>
-            </a:endParaRPr>
           </a:p>
         </p:txBody>
       </p:sp>
@@ -7063,10 +7201,6 @@
               </a:rPr>
               <a:t>우즈베키스탄 지진하중</a:t>
             </a:r>
-            <a:endParaRPr lang="ko-KR" altLang="en-US" sz="2800" dirty="0">
-              <a:latin typeface="리디바탕" panose="020B0600000101010101" pitchFamily="34" charset="-127"/>
-              <a:ea typeface="리디바탕" panose="020B0600000101010101" pitchFamily="34" charset="-127"/>
-            </a:endParaRPr>
           </a:p>
         </p:txBody>
       </p:sp>
@@ -7130,10 +7264,6 @@
               </a:rPr>
               <a:t>우즈베키스탄 지진하중</a:t>
             </a:r>
-            <a:endParaRPr lang="ko-KR" altLang="en-US" sz="2800" dirty="0">
-              <a:latin typeface="리디바탕" panose="020B0600000101010101" pitchFamily="34" charset="-127"/>
-              <a:ea typeface="리디바탕" panose="020B0600000101010101" pitchFamily="34" charset="-127"/>
-            </a:endParaRPr>
           </a:p>
         </p:txBody>
       </p:sp>
@@ -7468,10 +7598,6 @@
               </a:rPr>
               <a:t>.</a:t>
             </a:r>
-            <a:endParaRPr lang="en-US" altLang="ko-KR" sz="1600" dirty="0">
-              <a:latin typeface="현대하모니 L" panose="02020603020101020101" pitchFamily="18" charset="-127"/>
-              <a:ea typeface="현대하모니 L" panose="02020603020101020101" pitchFamily="18" charset="-127"/>
-            </a:endParaRPr>
           </a:p>
         </p:txBody>
       </p:sp>

--- a/documentum/건축심화세미나(2022)/최종발표/팀회의-심화세미나 아이템 소개.pptx
+++ b/documentum/건축심화세미나(2022)/최종발표/팀회의-심화세미나 아이템 소개.pptx
@@ -259,7 +259,7 @@
           <a:p>
             <a:fld id="{6CAEAAF6-8C15-4730-8437-B44F49B1EE16}" type="datetimeFigureOut">
               <a:rPr lang="ko-KR" altLang="en-US" smtClean="0"/>
-              <a:t>2022-10-26</a:t>
+              <a:t>2022-10-31</a:t>
             </a:fld>
             <a:endParaRPr lang="ko-KR" altLang="en-US"/>
           </a:p>
@@ -429,7 +429,7 @@
           <a:p>
             <a:fld id="{6CAEAAF6-8C15-4730-8437-B44F49B1EE16}" type="datetimeFigureOut">
               <a:rPr lang="ko-KR" altLang="en-US" smtClean="0"/>
-              <a:t>2022-10-26</a:t>
+              <a:t>2022-10-31</a:t>
             </a:fld>
             <a:endParaRPr lang="ko-KR" altLang="en-US"/>
           </a:p>
@@ -609,7 +609,7 @@
           <a:p>
             <a:fld id="{6CAEAAF6-8C15-4730-8437-B44F49B1EE16}" type="datetimeFigureOut">
               <a:rPr lang="ko-KR" altLang="en-US" smtClean="0"/>
-              <a:t>2022-10-26</a:t>
+              <a:t>2022-10-31</a:t>
             </a:fld>
             <a:endParaRPr lang="ko-KR" altLang="en-US"/>
           </a:p>
@@ -779,7 +779,7 @@
           <a:p>
             <a:fld id="{6CAEAAF6-8C15-4730-8437-B44F49B1EE16}" type="datetimeFigureOut">
               <a:rPr lang="ko-KR" altLang="en-US" smtClean="0"/>
-              <a:t>2022-10-26</a:t>
+              <a:t>2022-10-31</a:t>
             </a:fld>
             <a:endParaRPr lang="ko-KR" altLang="en-US"/>
           </a:p>
@@ -1025,7 +1025,7 @@
           <a:p>
             <a:fld id="{6CAEAAF6-8C15-4730-8437-B44F49B1EE16}" type="datetimeFigureOut">
               <a:rPr lang="ko-KR" altLang="en-US" smtClean="0"/>
-              <a:t>2022-10-26</a:t>
+              <a:t>2022-10-31</a:t>
             </a:fld>
             <a:endParaRPr lang="ko-KR" altLang="en-US"/>
           </a:p>
@@ -1257,7 +1257,7 @@
           <a:p>
             <a:fld id="{6CAEAAF6-8C15-4730-8437-B44F49B1EE16}" type="datetimeFigureOut">
               <a:rPr lang="ko-KR" altLang="en-US" smtClean="0"/>
-              <a:t>2022-10-26</a:t>
+              <a:t>2022-10-31</a:t>
             </a:fld>
             <a:endParaRPr lang="ko-KR" altLang="en-US"/>
           </a:p>
@@ -1624,7 +1624,7 @@
           <a:p>
             <a:fld id="{6CAEAAF6-8C15-4730-8437-B44F49B1EE16}" type="datetimeFigureOut">
               <a:rPr lang="ko-KR" altLang="en-US" smtClean="0"/>
-              <a:t>2022-10-26</a:t>
+              <a:t>2022-10-31</a:t>
             </a:fld>
             <a:endParaRPr lang="ko-KR" altLang="en-US"/>
           </a:p>
@@ -1742,7 +1742,7 @@
           <a:p>
             <a:fld id="{6CAEAAF6-8C15-4730-8437-B44F49B1EE16}" type="datetimeFigureOut">
               <a:rPr lang="ko-KR" altLang="en-US" smtClean="0"/>
-              <a:t>2022-10-26</a:t>
+              <a:t>2022-10-31</a:t>
             </a:fld>
             <a:endParaRPr lang="ko-KR" altLang="en-US"/>
           </a:p>
@@ -1837,7 +1837,7 @@
           <a:p>
             <a:fld id="{6CAEAAF6-8C15-4730-8437-B44F49B1EE16}" type="datetimeFigureOut">
               <a:rPr lang="ko-KR" altLang="en-US" smtClean="0"/>
-              <a:t>2022-10-26</a:t>
+              <a:t>2022-10-31</a:t>
             </a:fld>
             <a:endParaRPr lang="ko-KR" altLang="en-US"/>
           </a:p>
@@ -2114,7 +2114,7 @@
           <a:p>
             <a:fld id="{6CAEAAF6-8C15-4730-8437-B44F49B1EE16}" type="datetimeFigureOut">
               <a:rPr lang="ko-KR" altLang="en-US" smtClean="0"/>
-              <a:t>2022-10-26</a:t>
+              <a:t>2022-10-31</a:t>
             </a:fld>
             <a:endParaRPr lang="ko-KR" altLang="en-US"/>
           </a:p>
@@ -2367,7 +2367,7 @@
           <a:p>
             <a:fld id="{6CAEAAF6-8C15-4730-8437-B44F49B1EE16}" type="datetimeFigureOut">
               <a:rPr lang="ko-KR" altLang="en-US" smtClean="0"/>
-              <a:t>2022-10-26</a:t>
+              <a:t>2022-10-31</a:t>
             </a:fld>
             <a:endParaRPr lang="ko-KR" altLang="en-US"/>
           </a:p>
@@ -2580,7 +2580,7 @@
           <a:p>
             <a:fld id="{6CAEAAF6-8C15-4730-8437-B44F49B1EE16}" type="datetimeFigureOut">
               <a:rPr lang="ko-KR" altLang="en-US" smtClean="0"/>
-              <a:t>2022-10-26</a:t>
+              <a:t>2022-10-31</a:t>
             </a:fld>
             <a:endParaRPr lang="ko-KR" altLang="en-US"/>
           </a:p>
@@ -4833,21 +4833,7 @@
                 <a:latin typeface="현대하모니 L" panose="02020603020101020101" pitchFamily="18" charset="-127"/>
                 <a:ea typeface="현대하모니 L" panose="02020603020101020101" pitchFamily="18" charset="-127"/>
               </a:rPr>
-              <a:t>그리고 그 위에서 돌아가는 편리한 </a:t>
-            </a:r>
-            <a:r>
-              <a:rPr lang="ko-KR" altLang="en-US" sz="1600" dirty="0" smtClean="0">
-                <a:latin typeface="현대하모니 L" panose="02020603020101020101" pitchFamily="18" charset="-127"/>
-                <a:ea typeface="현대하모니 L" panose="02020603020101020101" pitchFamily="18" charset="-127"/>
-              </a:rPr>
-              <a:t>프레임워크들이 엄청나게 많이 </a:t>
-            </a:r>
-            <a:r>
-              <a:rPr lang="ko-KR" altLang="en-US" sz="1600" dirty="0" smtClean="0">
-                <a:latin typeface="현대하모니 L" panose="02020603020101020101" pitchFamily="18" charset="-127"/>
-                <a:ea typeface="현대하모니 L" panose="02020603020101020101" pitchFamily="18" charset="-127"/>
-              </a:rPr>
-              <a:t>생기고 나서부터</a:t>
+              <a:t>그리고 그 위에서 돌아가는 편리한 프레임워크들이 엄청나게 많이 생기고 나서부터</a:t>
             </a:r>
             <a:r>
               <a:rPr lang="en-US" altLang="ko-KR" sz="1600" dirty="0" smtClean="0">
@@ -5745,7 +5731,7 @@
         <p:spPr>
           <a:xfrm>
             <a:off x="1145059" y="1674662"/>
-            <a:ext cx="9901882" cy="923330"/>
+            <a:ext cx="9901882" cy="1338828"/>
           </a:xfrm>
           <a:prstGeom prst="rect">
             <a:avLst/>
@@ -5800,93 +5786,231 @@
                 <a:latin typeface="리디바탕" panose="020B0600000101010101" pitchFamily="34" charset="-127"/>
                 <a:ea typeface="리디바탕" panose="020B0600000101010101" pitchFamily="34" charset="-127"/>
               </a:rPr>
-              <a:t>			11</a:t>
+              <a:t>			</a:t>
+            </a:r>
+            <a:r>
+              <a:rPr lang="en-US" altLang="ko-KR" strike="sngStrike" dirty="0" smtClean="0">
+                <a:latin typeface="리디바탕" panose="020B0600000101010101" pitchFamily="34" charset="-127"/>
+                <a:ea typeface="리디바탕" panose="020B0600000101010101" pitchFamily="34" charset="-127"/>
+              </a:rPr>
+              <a:t>11</a:t>
+            </a:r>
+            <a:r>
+              <a:rPr lang="ko-KR" altLang="en-US" strike="sngStrike" dirty="0">
+                <a:latin typeface="리디바탕" panose="020B0600000101010101" pitchFamily="34" charset="-127"/>
+                <a:ea typeface="리디바탕" panose="020B0600000101010101" pitchFamily="34" charset="-127"/>
+              </a:rPr>
+              <a:t>월 첫째 주 </a:t>
+            </a:r>
+            <a:r>
+              <a:rPr lang="ko-KR" altLang="en-US" strike="sngStrike" dirty="0" smtClean="0">
+                <a:latin typeface="리디바탕" panose="020B0600000101010101" pitchFamily="34" charset="-127"/>
+                <a:ea typeface="리디바탕" panose="020B0600000101010101" pitchFamily="34" charset="-127"/>
+              </a:rPr>
+              <a:t>수요일 오후 </a:t>
+            </a:r>
+            <a:r>
+              <a:rPr lang="en-US" altLang="ko-KR" strike="sngStrike" dirty="0" smtClean="0">
+                <a:latin typeface="리디바탕" panose="020B0600000101010101" pitchFamily="34" charset="-127"/>
+                <a:ea typeface="리디바탕" panose="020B0600000101010101" pitchFamily="34" charset="-127"/>
+              </a:rPr>
+              <a:t>3</a:t>
+            </a:r>
+            <a:r>
+              <a:rPr lang="ko-KR" altLang="en-US" strike="sngStrike" dirty="0" smtClean="0">
+                <a:latin typeface="리디바탕" panose="020B0600000101010101" pitchFamily="34" charset="-127"/>
+                <a:ea typeface="리디바탕" panose="020B0600000101010101" pitchFamily="34" charset="-127"/>
+              </a:rPr>
+              <a:t>시</a:t>
+            </a:r>
+            <a:r>
+              <a:rPr lang="en-US" altLang="ko-KR" strike="sngStrike" dirty="0" smtClean="0">
+                <a:latin typeface="리디바탕" panose="020B0600000101010101" pitchFamily="34" charset="-127"/>
+                <a:ea typeface="리디바탕" panose="020B0600000101010101" pitchFamily="34" charset="-127"/>
+              </a:rPr>
+              <a:t>30</a:t>
+            </a:r>
+            <a:r>
+              <a:rPr lang="ko-KR" altLang="en-US" strike="sngStrike" dirty="0" smtClean="0">
+                <a:latin typeface="리디바탕" panose="020B0600000101010101" pitchFamily="34" charset="-127"/>
+                <a:ea typeface="리디바탕" panose="020B0600000101010101" pitchFamily="34" charset="-127"/>
+              </a:rPr>
+              <a:t>분 </a:t>
+            </a:r>
+            <a:r>
+              <a:rPr lang="en-US" altLang="ko-KR" strike="sngStrike" dirty="0">
+                <a:latin typeface="리디바탕" panose="020B0600000101010101" pitchFamily="34" charset="-127"/>
+                <a:ea typeface="리디바탕" panose="020B0600000101010101" pitchFamily="34" charset="-127"/>
+              </a:rPr>
+              <a:t>(11/2</a:t>
+            </a:r>
+            <a:r>
+              <a:rPr lang="en-US" altLang="ko-KR" strike="sngStrike" dirty="0" smtClean="0">
+                <a:latin typeface="리디바탕" panose="020B0600000101010101" pitchFamily="34" charset="-127"/>
+                <a:ea typeface="리디바탕" panose="020B0600000101010101" pitchFamily="34" charset="-127"/>
+              </a:rPr>
+              <a:t>) –</a:t>
+            </a:r>
+            <a:r>
+              <a:rPr lang="ko-KR" altLang="en-US" strike="sngStrike" dirty="0">
+                <a:latin typeface="리디바탕" panose="020B0600000101010101" pitchFamily="34" charset="-127"/>
+                <a:ea typeface="리디바탕" panose="020B0600000101010101" pitchFamily="34" charset="-127"/>
+              </a:rPr>
+              <a:t> </a:t>
+            </a:r>
+            <a:r>
+              <a:rPr lang="ko-KR" altLang="en-US" strike="sngStrike" dirty="0" smtClean="0">
+                <a:latin typeface="리디바탕" panose="020B0600000101010101" pitchFamily="34" charset="-127"/>
+                <a:ea typeface="리디바탕" panose="020B0600000101010101" pitchFamily="34" charset="-127"/>
+              </a:rPr>
+              <a:t>총 </a:t>
+            </a:r>
+            <a:r>
+              <a:rPr lang="en-US" altLang="ko-KR" strike="sngStrike" dirty="0" smtClean="0">
+                <a:latin typeface="리디바탕" panose="020B0600000101010101" pitchFamily="34" charset="-127"/>
+                <a:ea typeface="리디바탕" panose="020B0600000101010101" pitchFamily="34" charset="-127"/>
+              </a:rPr>
+              <a:t>1</a:t>
+            </a:r>
+            <a:r>
+              <a:rPr lang="ko-KR" altLang="en-US" strike="sngStrike" dirty="0" smtClean="0">
+                <a:latin typeface="리디바탕" panose="020B0600000101010101" pitchFamily="34" charset="-127"/>
+                <a:ea typeface="리디바탕" panose="020B0600000101010101" pitchFamily="34" charset="-127"/>
+              </a:rPr>
+              <a:t>시간 </a:t>
+            </a:r>
+            <a:r>
+              <a:rPr lang="ko-KR" altLang="en-US" strike="sngStrike" dirty="0" smtClean="0">
+                <a:latin typeface="리디바탕" panose="020B0600000101010101" pitchFamily="34" charset="-127"/>
+                <a:ea typeface="리디바탕" panose="020B0600000101010101" pitchFamily="34" charset="-127"/>
+              </a:rPr>
+              <a:t>내외</a:t>
+            </a:r>
+            <a:endParaRPr lang="en-US" altLang="ko-KR" strike="sngStrike" dirty="0" smtClean="0">
+              <a:latin typeface="리디바탕" panose="020B0600000101010101" pitchFamily="34" charset="-127"/>
+              <a:ea typeface="리디바탕" panose="020B0600000101010101" pitchFamily="34" charset="-127"/>
+            </a:endParaRPr>
+          </a:p>
+          <a:p>
+            <a:pPr algn="r">
+              <a:lnSpc>
+                <a:spcPct val="150000"/>
+              </a:lnSpc>
+            </a:pPr>
+            <a:r>
+              <a:rPr lang="en-US" altLang="ko-KR" dirty="0">
+                <a:solidFill>
+                  <a:srgbClr val="0000FF"/>
+                </a:solidFill>
+                <a:latin typeface="리디바탕" panose="020B0600000101010101" pitchFamily="34" charset="-127"/>
+                <a:ea typeface="리디바탕" panose="020B0600000101010101" pitchFamily="34" charset="-127"/>
+              </a:rPr>
+              <a:t>11</a:t>
             </a:r>
             <a:r>
               <a:rPr lang="ko-KR" altLang="en-US" dirty="0">
-                <a:latin typeface="리디바탕" panose="020B0600000101010101" pitchFamily="34" charset="-127"/>
-                <a:ea typeface="리디바탕" panose="020B0600000101010101" pitchFamily="34" charset="-127"/>
-              </a:rPr>
-              <a:t>월 첫째 주 </a:t>
+                <a:solidFill>
+                  <a:srgbClr val="0000FF"/>
+                </a:solidFill>
+                <a:latin typeface="리디바탕" panose="020B0600000101010101" pitchFamily="34" charset="-127"/>
+                <a:ea typeface="리디바탕" panose="020B0600000101010101" pitchFamily="34" charset="-127"/>
+              </a:rPr>
+              <a:t>월 둘째 주 수요일 오후 </a:t>
+            </a:r>
+            <a:r>
+              <a:rPr lang="en-US" altLang="ko-KR" dirty="0">
+                <a:solidFill>
+                  <a:srgbClr val="0000FF"/>
+                </a:solidFill>
+                <a:latin typeface="리디바탕" panose="020B0600000101010101" pitchFamily="34" charset="-127"/>
+                <a:ea typeface="리디바탕" panose="020B0600000101010101" pitchFamily="34" charset="-127"/>
+              </a:rPr>
+              <a:t>3</a:t>
+            </a:r>
+            <a:r>
+              <a:rPr lang="ko-KR" altLang="en-US" dirty="0">
+                <a:solidFill>
+                  <a:srgbClr val="0000FF"/>
+                </a:solidFill>
+                <a:latin typeface="리디바탕" panose="020B0600000101010101" pitchFamily="34" charset="-127"/>
+                <a:ea typeface="리디바탕" panose="020B0600000101010101" pitchFamily="34" charset="-127"/>
+              </a:rPr>
+              <a:t>시</a:t>
+            </a:r>
+            <a:r>
+              <a:rPr lang="en-US" altLang="ko-KR" dirty="0">
+                <a:solidFill>
+                  <a:srgbClr val="0000FF"/>
+                </a:solidFill>
+                <a:latin typeface="리디바탕" panose="020B0600000101010101" pitchFamily="34" charset="-127"/>
+                <a:ea typeface="리디바탕" panose="020B0600000101010101" pitchFamily="34" charset="-127"/>
+              </a:rPr>
+              <a:t>30</a:t>
+            </a:r>
+            <a:r>
+              <a:rPr lang="ko-KR" altLang="en-US" dirty="0">
+                <a:solidFill>
+                  <a:srgbClr val="0000FF"/>
+                </a:solidFill>
+                <a:latin typeface="리디바탕" panose="020B0600000101010101" pitchFamily="34" charset="-127"/>
+                <a:ea typeface="리디바탕" panose="020B0600000101010101" pitchFamily="34" charset="-127"/>
+              </a:rPr>
+              <a:t>분 </a:t>
+            </a:r>
+            <a:r>
+              <a:rPr lang="en-US" altLang="ko-KR" dirty="0">
+                <a:solidFill>
+                  <a:srgbClr val="0000FF"/>
+                </a:solidFill>
+                <a:latin typeface="리디바탕" panose="020B0600000101010101" pitchFamily="34" charset="-127"/>
+                <a:ea typeface="리디바탕" panose="020B0600000101010101" pitchFamily="34" charset="-127"/>
+              </a:rPr>
+              <a:t>(11/9) –</a:t>
+            </a:r>
+            <a:r>
+              <a:rPr lang="ko-KR" altLang="en-US" dirty="0">
+                <a:solidFill>
+                  <a:srgbClr val="0000FF"/>
+                </a:solidFill>
+                <a:latin typeface="리디바탕" panose="020B0600000101010101" pitchFamily="34" charset="-127"/>
+                <a:ea typeface="리디바탕" panose="020B0600000101010101" pitchFamily="34" charset="-127"/>
+              </a:rPr>
+              <a:t> 총 </a:t>
+            </a:r>
+            <a:r>
+              <a:rPr lang="en-US" altLang="ko-KR" dirty="0">
+                <a:solidFill>
+                  <a:srgbClr val="0000FF"/>
+                </a:solidFill>
+                <a:latin typeface="리디바탕" panose="020B0600000101010101" pitchFamily="34" charset="-127"/>
+                <a:ea typeface="리디바탕" panose="020B0600000101010101" pitchFamily="34" charset="-127"/>
+              </a:rPr>
+              <a:t>1</a:t>
+            </a:r>
+            <a:r>
+              <a:rPr lang="ko-KR" altLang="en-US" dirty="0">
+                <a:solidFill>
+                  <a:srgbClr val="0000FF"/>
+                </a:solidFill>
+                <a:latin typeface="리디바탕" panose="020B0600000101010101" pitchFamily="34" charset="-127"/>
+                <a:ea typeface="리디바탕" panose="020B0600000101010101" pitchFamily="34" charset="-127"/>
+              </a:rPr>
+              <a:t>시간 </a:t>
             </a:r>
             <a:r>
               <a:rPr lang="ko-KR" altLang="en-US" dirty="0" smtClean="0">
-                <a:latin typeface="리디바탕" panose="020B0600000101010101" pitchFamily="34" charset="-127"/>
-                <a:ea typeface="리디바탕" panose="020B0600000101010101" pitchFamily="34" charset="-127"/>
-              </a:rPr>
-              <a:t>수요일 오후 </a:t>
-            </a:r>
-            <a:r>
-              <a:rPr lang="en-US" altLang="ko-KR" dirty="0" smtClean="0">
-                <a:latin typeface="리디바탕" panose="020B0600000101010101" pitchFamily="34" charset="-127"/>
-                <a:ea typeface="리디바탕" panose="020B0600000101010101" pitchFamily="34" charset="-127"/>
-              </a:rPr>
-              <a:t>3</a:t>
-            </a:r>
-            <a:r>
-              <a:rPr lang="ko-KR" altLang="en-US" dirty="0" smtClean="0">
-                <a:latin typeface="리디바탕" panose="020B0600000101010101" pitchFamily="34" charset="-127"/>
-                <a:ea typeface="리디바탕" panose="020B0600000101010101" pitchFamily="34" charset="-127"/>
-              </a:rPr>
-              <a:t>시</a:t>
-            </a:r>
-            <a:r>
-              <a:rPr lang="en-US" altLang="ko-KR" dirty="0" smtClean="0">
-                <a:latin typeface="리디바탕" panose="020B0600000101010101" pitchFamily="34" charset="-127"/>
-                <a:ea typeface="리디바탕" panose="020B0600000101010101" pitchFamily="34" charset="-127"/>
-              </a:rPr>
-              <a:t>30</a:t>
-            </a:r>
-            <a:r>
-              <a:rPr lang="ko-KR" altLang="en-US" dirty="0" smtClean="0">
-                <a:latin typeface="리디바탕" panose="020B0600000101010101" pitchFamily="34" charset="-127"/>
-                <a:ea typeface="리디바탕" panose="020B0600000101010101" pitchFamily="34" charset="-127"/>
-              </a:rPr>
-              <a:t>분 </a:t>
-            </a:r>
-            <a:r>
-              <a:rPr lang="en-US" altLang="ko-KR" dirty="0">
-                <a:latin typeface="리디바탕" panose="020B0600000101010101" pitchFamily="34" charset="-127"/>
-                <a:ea typeface="리디바탕" panose="020B0600000101010101" pitchFamily="34" charset="-127"/>
-              </a:rPr>
-              <a:t>(11/2</a:t>
-            </a:r>
-            <a:r>
-              <a:rPr lang="en-US" altLang="ko-KR" dirty="0" smtClean="0">
-                <a:latin typeface="리디바탕" panose="020B0600000101010101" pitchFamily="34" charset="-127"/>
-                <a:ea typeface="리디바탕" panose="020B0600000101010101" pitchFamily="34" charset="-127"/>
-              </a:rPr>
-              <a:t>) –</a:t>
-            </a:r>
-            <a:r>
-              <a:rPr lang="ko-KR" altLang="en-US" dirty="0">
-                <a:latin typeface="리디바탕" panose="020B0600000101010101" pitchFamily="34" charset="-127"/>
-                <a:ea typeface="리디바탕" panose="020B0600000101010101" pitchFamily="34" charset="-127"/>
-              </a:rPr>
-              <a:t> </a:t>
-            </a:r>
-            <a:r>
-              <a:rPr lang="ko-KR" altLang="en-US" dirty="0" smtClean="0">
-                <a:latin typeface="리디바탕" panose="020B0600000101010101" pitchFamily="34" charset="-127"/>
-                <a:ea typeface="리디바탕" panose="020B0600000101010101" pitchFamily="34" charset="-127"/>
-              </a:rPr>
-              <a:t>총 </a:t>
-            </a:r>
-            <a:r>
-              <a:rPr lang="en-US" altLang="ko-KR" dirty="0" smtClean="0">
-                <a:latin typeface="리디바탕" panose="020B0600000101010101" pitchFamily="34" charset="-127"/>
-                <a:ea typeface="리디바탕" panose="020B0600000101010101" pitchFamily="34" charset="-127"/>
-              </a:rPr>
-              <a:t>1</a:t>
-            </a:r>
-            <a:r>
-              <a:rPr lang="ko-KR" altLang="en-US" dirty="0" smtClean="0">
-                <a:latin typeface="리디바탕" panose="020B0600000101010101" pitchFamily="34" charset="-127"/>
-                <a:ea typeface="리디바탕" panose="020B0600000101010101" pitchFamily="34" charset="-127"/>
-              </a:rPr>
-              <a:t>시간 내외</a:t>
-            </a:r>
-            <a:endParaRPr lang="en-US" altLang="ko-KR" dirty="0" smtClean="0">
+                <a:solidFill>
+                  <a:srgbClr val="0000FF"/>
+                </a:solidFill>
+                <a:latin typeface="리디바탕" panose="020B0600000101010101" pitchFamily="34" charset="-127"/>
+                <a:ea typeface="리디바탕" panose="020B0600000101010101" pitchFamily="34" charset="-127"/>
+              </a:rPr>
+              <a:t>내외</a:t>
+            </a:r>
+            <a:endParaRPr lang="en-US" altLang="ko-KR" dirty="0">
+              <a:solidFill>
+                <a:srgbClr val="0000FF"/>
+              </a:solidFill>
               <a:latin typeface="리디바탕" panose="020B0600000101010101" pitchFamily="34" charset="-127"/>
               <a:ea typeface="리디바탕" panose="020B0600000101010101" pitchFamily="34" charset="-127"/>
             </a:endParaRPr>
@@ -5952,8 +6076,8 @@
         </p:nvSpPr>
         <p:spPr>
           <a:xfrm>
-            <a:off x="1145059" y="2912734"/>
-            <a:ext cx="9901882" cy="923330"/>
+            <a:off x="1145059" y="3300661"/>
+            <a:ext cx="9901882" cy="1338828"/>
           </a:xfrm>
           <a:prstGeom prst="rect">
             <a:avLst/>
@@ -6025,24 +6149,169 @@
                 <a:latin typeface="리디바탕" panose="020B0600000101010101" pitchFamily="34" charset="-127"/>
                 <a:ea typeface="리디바탕" panose="020B0600000101010101" pitchFamily="34" charset="-127"/>
               </a:rPr>
-              <a:t>			11</a:t>
+              <a:t>			</a:t>
+            </a:r>
+            <a:r>
+              <a:rPr lang="en-US" altLang="ko-KR" strike="sngStrike" dirty="0" smtClean="0">
+                <a:latin typeface="리디바탕" panose="020B0600000101010101" pitchFamily="34" charset="-127"/>
+                <a:ea typeface="리디바탕" panose="020B0600000101010101" pitchFamily="34" charset="-127"/>
+              </a:rPr>
+              <a:t>11</a:t>
+            </a:r>
+            <a:r>
+              <a:rPr lang="ko-KR" altLang="en-US" strike="sngStrike" dirty="0">
+                <a:latin typeface="리디바탕" panose="020B0600000101010101" pitchFamily="34" charset="-127"/>
+                <a:ea typeface="리디바탕" panose="020B0600000101010101" pitchFamily="34" charset="-127"/>
+              </a:rPr>
+              <a:t>월 </a:t>
+            </a:r>
+            <a:r>
+              <a:rPr lang="ko-KR" altLang="en-US" strike="sngStrike" dirty="0" smtClean="0">
+                <a:latin typeface="리디바탕" panose="020B0600000101010101" pitchFamily="34" charset="-127"/>
+                <a:ea typeface="리디바탕" panose="020B0600000101010101" pitchFamily="34" charset="-127"/>
+              </a:rPr>
+              <a:t>둘째 </a:t>
+            </a:r>
+            <a:r>
+              <a:rPr lang="ko-KR" altLang="en-US" strike="sngStrike" dirty="0">
+                <a:latin typeface="리디바탕" panose="020B0600000101010101" pitchFamily="34" charset="-127"/>
+                <a:ea typeface="리디바탕" panose="020B0600000101010101" pitchFamily="34" charset="-127"/>
+              </a:rPr>
+              <a:t>주 수요일 오후 </a:t>
+            </a:r>
+            <a:r>
+              <a:rPr lang="en-US" altLang="ko-KR" strike="sngStrike" dirty="0">
+                <a:latin typeface="리디바탕" panose="020B0600000101010101" pitchFamily="34" charset="-127"/>
+                <a:ea typeface="리디바탕" panose="020B0600000101010101" pitchFamily="34" charset="-127"/>
+              </a:rPr>
+              <a:t>3</a:t>
+            </a:r>
+            <a:r>
+              <a:rPr lang="ko-KR" altLang="en-US" strike="sngStrike" dirty="0">
+                <a:latin typeface="리디바탕" panose="020B0600000101010101" pitchFamily="34" charset="-127"/>
+                <a:ea typeface="리디바탕" panose="020B0600000101010101" pitchFamily="34" charset="-127"/>
+              </a:rPr>
+              <a:t>시</a:t>
+            </a:r>
+            <a:r>
+              <a:rPr lang="en-US" altLang="ko-KR" strike="sngStrike" dirty="0">
+                <a:latin typeface="리디바탕" panose="020B0600000101010101" pitchFamily="34" charset="-127"/>
+                <a:ea typeface="리디바탕" panose="020B0600000101010101" pitchFamily="34" charset="-127"/>
+              </a:rPr>
+              <a:t>30</a:t>
+            </a:r>
+            <a:r>
+              <a:rPr lang="ko-KR" altLang="en-US" strike="sngStrike" dirty="0">
+                <a:latin typeface="리디바탕" panose="020B0600000101010101" pitchFamily="34" charset="-127"/>
+                <a:ea typeface="리디바탕" panose="020B0600000101010101" pitchFamily="34" charset="-127"/>
+              </a:rPr>
+              <a:t>분 </a:t>
+            </a:r>
+            <a:r>
+              <a:rPr lang="en-US" altLang="ko-KR" strike="sngStrike" dirty="0">
+                <a:latin typeface="리디바탕" panose="020B0600000101010101" pitchFamily="34" charset="-127"/>
+                <a:ea typeface="리디바탕" panose="020B0600000101010101" pitchFamily="34" charset="-127"/>
+              </a:rPr>
+              <a:t>(</a:t>
+            </a:r>
+            <a:r>
+              <a:rPr lang="en-US" altLang="ko-KR" strike="sngStrike" dirty="0" smtClean="0">
+                <a:latin typeface="리디바탕" panose="020B0600000101010101" pitchFamily="34" charset="-127"/>
+                <a:ea typeface="리디바탕" panose="020B0600000101010101" pitchFamily="34" charset="-127"/>
+              </a:rPr>
+              <a:t>11/9) </a:t>
+            </a:r>
+            <a:r>
+              <a:rPr lang="en-US" altLang="ko-KR" strike="sngStrike" dirty="0">
+                <a:latin typeface="리디바탕" panose="020B0600000101010101" pitchFamily="34" charset="-127"/>
+                <a:ea typeface="리디바탕" panose="020B0600000101010101" pitchFamily="34" charset="-127"/>
+              </a:rPr>
+              <a:t>–</a:t>
+            </a:r>
+            <a:r>
+              <a:rPr lang="ko-KR" altLang="en-US" strike="sngStrike" dirty="0">
+                <a:latin typeface="리디바탕" panose="020B0600000101010101" pitchFamily="34" charset="-127"/>
+                <a:ea typeface="리디바탕" panose="020B0600000101010101" pitchFamily="34" charset="-127"/>
+              </a:rPr>
+              <a:t> 총 </a:t>
+            </a:r>
+            <a:r>
+              <a:rPr lang="en-US" altLang="ko-KR" strike="sngStrike" dirty="0">
+                <a:latin typeface="리디바탕" panose="020B0600000101010101" pitchFamily="34" charset="-127"/>
+                <a:ea typeface="리디바탕" panose="020B0600000101010101" pitchFamily="34" charset="-127"/>
+              </a:rPr>
+              <a:t>1</a:t>
+            </a:r>
+            <a:r>
+              <a:rPr lang="ko-KR" altLang="en-US" strike="sngStrike" dirty="0">
+                <a:latin typeface="리디바탕" panose="020B0600000101010101" pitchFamily="34" charset="-127"/>
+                <a:ea typeface="리디바탕" panose="020B0600000101010101" pitchFamily="34" charset="-127"/>
+              </a:rPr>
+              <a:t>시간 </a:t>
+            </a:r>
+            <a:r>
+              <a:rPr lang="ko-KR" altLang="en-US" strike="sngStrike" dirty="0" smtClean="0">
+                <a:latin typeface="리디바탕" panose="020B0600000101010101" pitchFamily="34" charset="-127"/>
+                <a:ea typeface="리디바탕" panose="020B0600000101010101" pitchFamily="34" charset="-127"/>
+              </a:rPr>
+              <a:t>내외</a:t>
+            </a:r>
+            <a:endParaRPr lang="en-US" altLang="ko-KR" strike="sngStrike" dirty="0" smtClean="0">
+              <a:latin typeface="리디바탕" panose="020B0600000101010101" pitchFamily="34" charset="-127"/>
+              <a:ea typeface="리디바탕" panose="020B0600000101010101" pitchFamily="34" charset="-127"/>
+            </a:endParaRPr>
+          </a:p>
+          <a:p>
+            <a:pPr algn="r">
+              <a:lnSpc>
+                <a:spcPct val="150000"/>
+              </a:lnSpc>
+            </a:pPr>
+            <a:r>
+              <a:rPr lang="en-US" altLang="ko-KR" dirty="0">
+                <a:solidFill>
+                  <a:srgbClr val="0000FF"/>
+                </a:solidFill>
+                <a:latin typeface="리디바탕" panose="020B0600000101010101" pitchFamily="34" charset="-127"/>
+                <a:ea typeface="리디바탕" panose="020B0600000101010101" pitchFamily="34" charset="-127"/>
+              </a:rPr>
+              <a:t>11</a:t>
             </a:r>
             <a:r>
               <a:rPr lang="ko-KR" altLang="en-US" dirty="0">
-                <a:latin typeface="리디바탕" panose="020B0600000101010101" pitchFamily="34" charset="-127"/>
-                <a:ea typeface="리디바탕" panose="020B0600000101010101" pitchFamily="34" charset="-127"/>
-              </a:rPr>
-              <a:t>월 둘째 주 </a:t>
+                <a:solidFill>
+                  <a:srgbClr val="0000FF"/>
+                </a:solidFill>
+                <a:latin typeface="리디바탕" panose="020B0600000101010101" pitchFamily="34" charset="-127"/>
+                <a:ea typeface="리디바탕" panose="020B0600000101010101" pitchFamily="34" charset="-127"/>
+              </a:rPr>
+              <a:t>월 </a:t>
+            </a:r>
+            <a:r>
+              <a:rPr lang="ko-KR" altLang="en-US" dirty="0" smtClean="0">
+                <a:solidFill>
+                  <a:srgbClr val="0000FF"/>
+                </a:solidFill>
+                <a:latin typeface="리디바탕" panose="020B0600000101010101" pitchFamily="34" charset="-127"/>
+                <a:ea typeface="리디바탕" panose="020B0600000101010101" pitchFamily="34" charset="-127"/>
+              </a:rPr>
+              <a:t>셋째 </a:t>
             </a:r>
             <a:r>
               <a:rPr lang="ko-KR" altLang="en-US" dirty="0">
-                <a:latin typeface="리디바탕" panose="020B0600000101010101" pitchFamily="34" charset="-127"/>
-                <a:ea typeface="리디바탕" panose="020B0600000101010101" pitchFamily="34" charset="-127"/>
-              </a:rPr>
-              <a:t>수요일 오후 </a:t>
+                <a:solidFill>
+                  <a:srgbClr val="0000FF"/>
+                </a:solidFill>
+                <a:latin typeface="리디바탕" panose="020B0600000101010101" pitchFamily="34" charset="-127"/>
+                <a:ea typeface="리디바탕" panose="020B0600000101010101" pitchFamily="34" charset="-127"/>
+              </a:rPr>
+              <a:t>주 수요일 오후 </a:t>
             </a:r>
             <a:r>
               <a:rPr lang="en-US" altLang="ko-KR" dirty="0">
+                <a:solidFill>
+                  <a:srgbClr val="0000FF"/>
+                </a:solidFill>
                 <a:latin typeface="리디바탕" panose="020B0600000101010101" pitchFamily="34" charset="-127"/>
                 <a:ea typeface="리디바탕" panose="020B0600000101010101" pitchFamily="34" charset="-127"/>
               </a:rPr>
@@ -6050,6 +6319,9 @@
             </a:r>
             <a:r>
               <a:rPr lang="ko-KR" altLang="en-US" dirty="0">
+                <a:solidFill>
+                  <a:srgbClr val="0000FF"/>
+                </a:solidFill>
                 <a:latin typeface="리디바탕" panose="020B0600000101010101" pitchFamily="34" charset="-127"/>
                 <a:ea typeface="리디바탕" panose="020B0600000101010101" pitchFamily="34" charset="-127"/>
               </a:rPr>
@@ -6057,6 +6329,9 @@
             </a:r>
             <a:r>
               <a:rPr lang="en-US" altLang="ko-KR" dirty="0">
+                <a:solidFill>
+                  <a:srgbClr val="0000FF"/>
+                </a:solidFill>
                 <a:latin typeface="리디바탕" panose="020B0600000101010101" pitchFamily="34" charset="-127"/>
                 <a:ea typeface="리디바탕" panose="020B0600000101010101" pitchFamily="34" charset="-127"/>
               </a:rPr>
@@ -6064,6 +6339,9 @@
             </a:r>
             <a:r>
               <a:rPr lang="ko-KR" altLang="en-US" dirty="0">
+                <a:solidFill>
+                  <a:srgbClr val="0000FF"/>
+                </a:solidFill>
                 <a:latin typeface="리디바탕" panose="020B0600000101010101" pitchFamily="34" charset="-127"/>
                 <a:ea typeface="리디바탕" panose="020B0600000101010101" pitchFamily="34" charset="-127"/>
               </a:rPr>
@@ -6071,27 +6349,39 @@
             </a:r>
             <a:r>
               <a:rPr lang="en-US" altLang="ko-KR" dirty="0">
-                <a:latin typeface="리디바탕" panose="020B0600000101010101" pitchFamily="34" charset="-127"/>
-                <a:ea typeface="리디바탕" panose="020B0600000101010101" pitchFamily="34" charset="-127"/>
-              </a:rPr>
-              <a:t>(11/9</a:t>
+                <a:solidFill>
+                  <a:srgbClr val="0000FF"/>
+                </a:solidFill>
+                <a:latin typeface="리디바탕" panose="020B0600000101010101" pitchFamily="34" charset="-127"/>
+                <a:ea typeface="리디바탕" panose="020B0600000101010101" pitchFamily="34" charset="-127"/>
+              </a:rPr>
+              <a:t>(</a:t>
             </a:r>
             <a:r>
               <a:rPr lang="en-US" altLang="ko-KR" dirty="0" smtClean="0">
-                <a:latin typeface="리디바탕" panose="020B0600000101010101" pitchFamily="34" charset="-127"/>
-                <a:ea typeface="리디바탕" panose="020B0600000101010101" pitchFamily="34" charset="-127"/>
-              </a:rPr>
-              <a:t>)</a:t>
+                <a:solidFill>
+                  <a:srgbClr val="0000FF"/>
+                </a:solidFill>
+                <a:latin typeface="리디바탕" panose="020B0600000101010101" pitchFamily="34" charset="-127"/>
+                <a:ea typeface="리디바탕" panose="020B0600000101010101" pitchFamily="34" charset="-127"/>
+              </a:rPr>
+              <a:t>11/16) </a:t>
             </a:r>
             <a:r>
               <a:rPr lang="en-US" altLang="ko-KR" dirty="0">
-                <a:latin typeface="리디바탕" panose="020B0600000101010101" pitchFamily="34" charset="-127"/>
-                <a:ea typeface="리디바탕" panose="020B0600000101010101" pitchFamily="34" charset="-127"/>
-              </a:rPr>
-              <a:t> –</a:t>
+                <a:solidFill>
+                  <a:srgbClr val="0000FF"/>
+                </a:solidFill>
+                <a:latin typeface="리디바탕" panose="020B0600000101010101" pitchFamily="34" charset="-127"/>
+                <a:ea typeface="리디바탕" panose="020B0600000101010101" pitchFamily="34" charset="-127"/>
+              </a:rPr>
+              <a:t>–</a:t>
             </a:r>
             <a:r>
               <a:rPr lang="ko-KR" altLang="en-US" dirty="0">
+                <a:solidFill>
+                  <a:srgbClr val="0000FF"/>
+                </a:solidFill>
                 <a:latin typeface="리디바탕" panose="020B0600000101010101" pitchFamily="34" charset="-127"/>
                 <a:ea typeface="리디바탕" panose="020B0600000101010101" pitchFamily="34" charset="-127"/>
               </a:rPr>
@@ -6099,6 +6389,9 @@
             </a:r>
             <a:r>
               <a:rPr lang="en-US" altLang="ko-KR" dirty="0">
+                <a:solidFill>
+                  <a:srgbClr val="0000FF"/>
+                </a:solidFill>
                 <a:latin typeface="리디바탕" panose="020B0600000101010101" pitchFamily="34" charset="-127"/>
                 <a:ea typeface="리디바탕" panose="020B0600000101010101" pitchFamily="34" charset="-127"/>
               </a:rPr>
@@ -6106,12 +6399,18 @@
             </a:r>
             <a:r>
               <a:rPr lang="ko-KR" altLang="en-US" dirty="0">
+                <a:solidFill>
+                  <a:srgbClr val="0000FF"/>
+                </a:solidFill>
                 <a:latin typeface="리디바탕" panose="020B0600000101010101" pitchFamily="34" charset="-127"/>
                 <a:ea typeface="리디바탕" panose="020B0600000101010101" pitchFamily="34" charset="-127"/>
               </a:rPr>
               <a:t>시간 내외</a:t>
             </a:r>
             <a:endParaRPr lang="en-US" altLang="ko-KR" dirty="0" smtClean="0">
+              <a:solidFill>
+                <a:srgbClr val="0000FF"/>
+              </a:solidFill>
               <a:latin typeface="리디바탕" panose="020B0600000101010101" pitchFamily="34" charset="-127"/>
               <a:ea typeface="리디바탕" panose="020B0600000101010101" pitchFamily="34" charset="-127"/>
             </a:endParaRPr>
@@ -6164,14 +6463,7 @@
                 <a:latin typeface="리디바탕" panose="020B0600000101010101" pitchFamily="34" charset="-127"/>
                 <a:ea typeface="리디바탕" panose="020B0600000101010101" pitchFamily="34" charset="-127"/>
               </a:rPr>
-              <a:t> 링크는 당일 </a:t>
-            </a:r>
-            <a:r>
-              <a:rPr lang="ko-KR" altLang="en-US" sz="1400" dirty="0" smtClean="0">
-                <a:latin typeface="리디바탕" panose="020B0600000101010101" pitchFamily="34" charset="-127"/>
-                <a:ea typeface="리디바탕" panose="020B0600000101010101" pitchFamily="34" charset="-127"/>
-              </a:rPr>
-              <a:t>공지 예정</a:t>
+              <a:t> 링크는 당일 공지 예정</a:t>
             </a:r>
             <a:r>
               <a:rPr lang="en-US" altLang="ko-KR" sz="1400" dirty="0" smtClean="0">
@@ -6180,10 +6472,6 @@
               </a:rPr>
               <a:t>.</a:t>
             </a:r>
-            <a:endParaRPr lang="en-US" altLang="ko-KR" sz="1400" dirty="0" smtClean="0">
-              <a:latin typeface="리디바탕" panose="020B0600000101010101" pitchFamily="34" charset="-127"/>
-              <a:ea typeface="리디바탕" panose="020B0600000101010101" pitchFamily="34" charset="-127"/>
-            </a:endParaRPr>
           </a:p>
         </p:txBody>
       </p:sp>
